--- a/Park-e_presentation.pptx
+++ b/Park-e_presentation.pptx
@@ -12850,7 +12850,7 @@
         </p:nvSpPr>
         <p:spPr>
           <a:xfrm>
-            <a:off x="1283677" y="615461"/>
+            <a:off x="1341866" y="602463"/>
             <a:ext cx="9662746" cy="5732585"/>
           </a:xfrm>
           <a:prstGeom prst="rect">
@@ -12918,7 +12918,7 @@
         </p:blipFill>
         <p:spPr>
           <a:xfrm>
-            <a:off x="2850065" y="2320331"/>
+            <a:off x="3040565" y="2320331"/>
             <a:ext cx="518996" cy="366242"/>
           </a:xfrm>
           <a:prstGeom prst="rect">
@@ -12954,7 +12954,7 @@
         </p:blipFill>
         <p:spPr>
           <a:xfrm>
-            <a:off x="1794150" y="2226634"/>
+            <a:off x="1984650" y="2226634"/>
             <a:ext cx="1183647" cy="1076526"/>
           </a:xfrm>
           <a:prstGeom prst="rect">
@@ -12990,7 +12990,7 @@
         </p:blipFill>
         <p:spPr>
           <a:xfrm>
-            <a:off x="4750291" y="2320331"/>
+            <a:off x="4893166" y="2320331"/>
             <a:ext cx="2224040" cy="2127152"/>
           </a:xfrm>
           <a:prstGeom prst="rect">
@@ -13026,7 +13026,7 @@
         </p:blipFill>
         <p:spPr>
           <a:xfrm rot="7206727">
-            <a:off x="3648558" y="1904041"/>
+            <a:off x="3839058" y="1904041"/>
             <a:ext cx="914400" cy="1721712"/>
           </a:xfrm>
           <a:prstGeom prst="rect">
@@ -13062,7 +13062,7 @@
         </p:blipFill>
         <p:spPr>
           <a:xfrm>
-            <a:off x="3650104" y="2012262"/>
+            <a:off x="3840604" y="2059887"/>
             <a:ext cx="553718" cy="553718"/>
           </a:xfrm>
           <a:prstGeom prst="rect">
@@ -13098,7 +13098,7 @@
         </p:blipFill>
         <p:spPr>
           <a:xfrm>
-            <a:off x="1786476" y="3696103"/>
+            <a:off x="1976976" y="3696103"/>
             <a:ext cx="1183647" cy="1076526"/>
           </a:xfrm>
           <a:prstGeom prst="rect">
@@ -13134,7 +13134,7 @@
         </p:blipFill>
         <p:spPr>
           <a:xfrm rot="4067678">
-            <a:off x="3599089" y="3413684"/>
+            <a:off x="3789589" y="3413684"/>
             <a:ext cx="914400" cy="1721712"/>
           </a:xfrm>
           <a:prstGeom prst="rect">
@@ -13176,7 +13176,7 @@
         </p:blipFill>
         <p:spPr>
           <a:xfrm>
-            <a:off x="3650104" y="3808673"/>
+            <a:off x="3840604" y="3846773"/>
             <a:ext cx="553718" cy="553718"/>
           </a:xfrm>
           <a:prstGeom prst="rect">
@@ -13212,7 +13212,7 @@
         </p:blipFill>
         <p:spPr>
           <a:xfrm>
-            <a:off x="2849132" y="3751729"/>
+            <a:off x="3039632" y="3751729"/>
             <a:ext cx="518996" cy="366242"/>
           </a:xfrm>
           <a:prstGeom prst="rect">
@@ -13248,7 +13248,7 @@
         </p:blipFill>
         <p:spPr>
           <a:xfrm>
-            <a:off x="2074733" y="2145866"/>
+            <a:off x="2265233" y="2145866"/>
             <a:ext cx="361961" cy="361961"/>
           </a:xfrm>
           <a:prstGeom prst="rect">
@@ -13284,7 +13284,7 @@
         </p:blipFill>
         <p:spPr>
           <a:xfrm>
-            <a:off x="2074732" y="3615335"/>
+            <a:off x="2265232" y="3615335"/>
             <a:ext cx="361961" cy="361961"/>
           </a:xfrm>
           <a:prstGeom prst="rect">
@@ -13320,8 +13320,8 @@
         </p:blipFill>
         <p:spPr>
           <a:xfrm>
-            <a:off x="8426287" y="4219280"/>
-            <a:ext cx="1106697" cy="1106697"/>
+            <a:off x="8616788" y="4133556"/>
+            <a:ext cx="976346" cy="976346"/>
           </a:xfrm>
           <a:prstGeom prst="rect">
             <a:avLst/>
@@ -13356,7 +13356,7 @@
         </p:blipFill>
         <p:spPr>
           <a:xfrm>
-            <a:off x="6722975" y="4635851"/>
+            <a:off x="7557150" y="3169865"/>
             <a:ext cx="559775" cy="559775"/>
           </a:xfrm>
           <a:prstGeom prst="rect">
@@ -13392,7 +13392,7 @@
         </p:blipFill>
         <p:spPr>
           <a:xfrm>
-            <a:off x="5523909" y="4018676"/>
+            <a:off x="5676309" y="4018676"/>
             <a:ext cx="687430" cy="687430"/>
           </a:xfrm>
           <a:prstGeom prst="rect">
@@ -13428,7 +13428,7 @@
         </p:blipFill>
         <p:spPr>
           <a:xfrm>
-            <a:off x="9116142" y="3858229"/>
+            <a:off x="9306642" y="3772504"/>
             <a:ext cx="742233" cy="742233"/>
           </a:xfrm>
           <a:prstGeom prst="rect">
@@ -13450,7 +13450,7 @@
         </p:nvSpPr>
         <p:spPr>
           <a:xfrm>
-            <a:off x="8348389" y="3751729"/>
+            <a:off x="8538889" y="3666004"/>
             <a:ext cx="1890346" cy="1767444"/>
           </a:xfrm>
           <a:prstGeom prst="ellipse">
@@ -13488,6 +13488,480 @@
           </a:p>
         </p:txBody>
       </p:sp>
+      <p:pic>
+        <p:nvPicPr>
+          <p:cNvPr id="34" name="Graphic 33" descr="Download from cloud">
+            <a:extLst>
+              <a:ext uri="{FF2B5EF4-FFF2-40B4-BE49-F238E27FC236}">
+                <a16:creationId xmlns:a16="http://schemas.microsoft.com/office/drawing/2014/main" id="{9D0553B9-E496-4712-98F0-4ACDF7947AF9}"/>
+              </a:ext>
+            </a:extLst>
+          </p:cNvPr>
+          <p:cNvPicPr>
+            <a:picLocks noChangeAspect="1"/>
+          </p:cNvPicPr>
+          <p:nvPr/>
+        </p:nvPicPr>
+        <p:blipFill>
+          <a:blip r:embed="rId22">
+            <a:extLst>
+              <a:ext uri="{96DAC541-7B7A-43D3-8B79-37D633B846F1}">
+                <asvg:svgBlip xmlns:asvg="http://schemas.microsoft.com/office/drawing/2016/SVG/main" r:embed="rId23"/>
+              </a:ext>
+            </a:extLst>
+          </a:blip>
+          <a:stretch>
+            <a:fillRect/>
+          </a:stretch>
+        </p:blipFill>
+        <p:spPr>
+          <a:xfrm>
+            <a:off x="5578466" y="1831921"/>
+            <a:ext cx="914400" cy="914400"/>
+          </a:xfrm>
+          <a:prstGeom prst="rect">
+            <a:avLst/>
+          </a:prstGeom>
+        </p:spPr>
+      </p:pic>
+      <p:pic>
+        <p:nvPicPr>
+          <p:cNvPr id="35" name="Graphic 34" descr="Line Arrow: Clockwise curve">
+            <a:extLst>
+              <a:ext uri="{FF2B5EF4-FFF2-40B4-BE49-F238E27FC236}">
+                <a16:creationId xmlns:a16="http://schemas.microsoft.com/office/drawing/2014/main" id="{3C9CCC89-C55A-4EDA-ABA5-36F6E1DC4F16}"/>
+              </a:ext>
+            </a:extLst>
+          </p:cNvPr>
+          <p:cNvPicPr>
+            <a:picLocks noChangeAspect="1"/>
+          </p:cNvPicPr>
+          <p:nvPr/>
+        </p:nvPicPr>
+        <p:blipFill>
+          <a:blip r:embed="rId8">
+            <a:extLst>
+              <a:ext uri="{96DAC541-7B7A-43D3-8B79-37D633B846F1}">
+                <asvg:svgBlip xmlns:asvg="http://schemas.microsoft.com/office/drawing/2016/SVG/main" r:embed="rId9"/>
+              </a:ext>
+            </a:extLst>
+          </a:blip>
+          <a:stretch>
+            <a:fillRect/>
+          </a:stretch>
+        </p:blipFill>
+        <p:spPr>
+          <a:xfrm rot="17983475">
+            <a:off x="7226905" y="3609520"/>
+            <a:ext cx="914400" cy="1721712"/>
+          </a:xfrm>
+          <a:prstGeom prst="rect">
+            <a:avLst/>
+          </a:prstGeom>
+        </p:spPr>
+      </p:pic>
+      <p:pic>
+        <p:nvPicPr>
+          <p:cNvPr id="36" name="Graphic 35" descr="High Voltage">
+            <a:extLst>
+              <a:ext uri="{FF2B5EF4-FFF2-40B4-BE49-F238E27FC236}">
+                <a16:creationId xmlns:a16="http://schemas.microsoft.com/office/drawing/2014/main" id="{BCE66B9E-349A-4B1A-BF42-32886D0B0F67}"/>
+              </a:ext>
+            </a:extLst>
+          </p:cNvPr>
+          <p:cNvPicPr>
+            <a:picLocks noChangeAspect="1"/>
+          </p:cNvPicPr>
+          <p:nvPr/>
+        </p:nvPicPr>
+        <p:blipFill>
+          <a:blip r:embed="rId12">
+            <a:extLst>
+              <a:ext uri="{96DAC541-7B7A-43D3-8B79-37D633B846F1}">
+                <asvg:svgBlip xmlns:asvg="http://schemas.microsoft.com/office/drawing/2016/SVG/main" r:embed="rId13"/>
+              </a:ext>
+            </a:extLst>
+          </a:blip>
+          <a:stretch>
+            <a:fillRect/>
+          </a:stretch>
+        </p:blipFill>
+        <p:spPr>
+          <a:xfrm>
+            <a:off x="7647067" y="4169759"/>
+            <a:ext cx="361961" cy="361961"/>
+          </a:xfrm>
+          <a:prstGeom prst="rect">
+            <a:avLst/>
+          </a:prstGeom>
+        </p:spPr>
+      </p:pic>
+      <p:pic>
+        <p:nvPicPr>
+          <p:cNvPr id="37" name="Graphic 36" descr="Line Arrow: Clockwise curve">
+            <a:extLst>
+              <a:ext uri="{FF2B5EF4-FFF2-40B4-BE49-F238E27FC236}">
+                <a16:creationId xmlns:a16="http://schemas.microsoft.com/office/drawing/2014/main" id="{70EED6AD-CAAE-4A7A-BA1F-947398567C92}"/>
+              </a:ext>
+            </a:extLst>
+          </p:cNvPr>
+          <p:cNvPicPr>
+            <a:picLocks noChangeAspect="1"/>
+          </p:cNvPicPr>
+          <p:nvPr/>
+        </p:nvPicPr>
+        <p:blipFill>
+          <a:blip r:embed="rId8">
+            <a:extLst>
+              <a:ext uri="{96DAC541-7B7A-43D3-8B79-37D633B846F1}">
+                <asvg:svgBlip xmlns:asvg="http://schemas.microsoft.com/office/drawing/2016/SVG/main" r:embed="rId9"/>
+              </a:ext>
+            </a:extLst>
+          </a:blip>
+          <a:stretch>
+            <a:fillRect/>
+          </a:stretch>
+        </p:blipFill>
+        <p:spPr>
+          <a:xfrm rot="7206727">
+            <a:off x="7370849" y="3002949"/>
+            <a:ext cx="914400" cy="1721712"/>
+          </a:xfrm>
+          <a:prstGeom prst="rect">
+            <a:avLst/>
+          </a:prstGeom>
+        </p:spPr>
+      </p:pic>
+      <p:pic>
+        <p:nvPicPr>
+          <p:cNvPr id="41" name="Graphic 40" descr="Partial Sun">
+            <a:extLst>
+              <a:ext uri="{FF2B5EF4-FFF2-40B4-BE49-F238E27FC236}">
+                <a16:creationId xmlns:a16="http://schemas.microsoft.com/office/drawing/2014/main" id="{5767501C-EA5F-462A-B303-EAB87F478042}"/>
+              </a:ext>
+            </a:extLst>
+          </p:cNvPr>
+          <p:cNvPicPr>
+            <a:picLocks noChangeAspect="1"/>
+          </p:cNvPicPr>
+          <p:nvPr/>
+        </p:nvPicPr>
+        <p:blipFill>
+          <a:blip r:embed="rId24">
+            <a:extLst>
+              <a:ext uri="{96DAC541-7B7A-43D3-8B79-37D633B846F1}">
+                <asvg:svgBlip xmlns:asvg="http://schemas.microsoft.com/office/drawing/2016/SVG/main" r:embed="rId25"/>
+              </a:ext>
+            </a:extLst>
+          </a:blip>
+          <a:stretch>
+            <a:fillRect/>
+          </a:stretch>
+        </p:blipFill>
+        <p:spPr>
+          <a:xfrm>
+            <a:off x="6880915" y="5360557"/>
+            <a:ext cx="914400" cy="914400"/>
+          </a:xfrm>
+          <a:prstGeom prst="rect">
+            <a:avLst/>
+          </a:prstGeom>
+        </p:spPr>
+      </p:pic>
+      <p:pic>
+        <p:nvPicPr>
+          <p:cNvPr id="42" name="Graphic 41" descr="Line Arrow: Clockwise curve">
+            <a:extLst>
+              <a:ext uri="{FF2B5EF4-FFF2-40B4-BE49-F238E27FC236}">
+                <a16:creationId xmlns:a16="http://schemas.microsoft.com/office/drawing/2014/main" id="{DF8C6774-D858-4E5B-A3ED-16B99A2FDEF5}"/>
+              </a:ext>
+            </a:extLst>
+          </p:cNvPr>
+          <p:cNvPicPr>
+            <a:picLocks noChangeAspect="1"/>
+          </p:cNvPicPr>
+          <p:nvPr/>
+        </p:nvPicPr>
+        <p:blipFill>
+          <a:blip r:embed="rId8">
+            <a:extLst>
+              <a:ext uri="{96DAC541-7B7A-43D3-8B79-37D633B846F1}">
+                <asvg:svgBlip xmlns:asvg="http://schemas.microsoft.com/office/drawing/2016/SVG/main" r:embed="rId9"/>
+              </a:ext>
+            </a:extLst>
+          </a:blip>
+          <a:stretch>
+            <a:fillRect/>
+          </a:stretch>
+        </p:blipFill>
+        <p:spPr>
+          <a:xfrm rot="3017766">
+            <a:off x="7942839" y="4946560"/>
+            <a:ext cx="914400" cy="1721712"/>
+          </a:xfrm>
+          <a:prstGeom prst="rect">
+            <a:avLst/>
+          </a:prstGeom>
+          <a:scene3d>
+            <a:camera prst="orthographicFront">
+              <a:rot lat="10800000" lon="0" rev="0"/>
+            </a:camera>
+            <a:lightRig rig="threePt" dir="t"/>
+          </a:scene3d>
+        </p:spPr>
+      </p:pic>
+      <p:pic>
+        <p:nvPicPr>
+          <p:cNvPr id="43" name="Graphic 42" descr="Upward trend">
+            <a:extLst>
+              <a:ext uri="{FF2B5EF4-FFF2-40B4-BE49-F238E27FC236}">
+                <a16:creationId xmlns:a16="http://schemas.microsoft.com/office/drawing/2014/main" id="{0759FAAE-EB65-4D91-92E1-A7B581624607}"/>
+              </a:ext>
+            </a:extLst>
+          </p:cNvPr>
+          <p:cNvPicPr>
+            <a:picLocks noChangeAspect="1"/>
+          </p:cNvPicPr>
+          <p:nvPr/>
+        </p:nvPicPr>
+        <p:blipFill>
+          <a:blip r:embed="rId16">
+            <a:extLst>
+              <a:ext uri="{96DAC541-7B7A-43D3-8B79-37D633B846F1}">
+                <asvg:svgBlip xmlns:asvg="http://schemas.microsoft.com/office/drawing/2016/SVG/main" r:embed="rId17"/>
+              </a:ext>
+            </a:extLst>
+          </a:blip>
+          <a:stretch>
+            <a:fillRect/>
+          </a:stretch>
+        </p:blipFill>
+        <p:spPr>
+          <a:xfrm>
+            <a:off x="7957588" y="5322305"/>
+            <a:ext cx="559775" cy="559775"/>
+          </a:xfrm>
+          <a:prstGeom prst="rect">
+            <a:avLst/>
+          </a:prstGeom>
+        </p:spPr>
+      </p:pic>
+      <p:pic>
+        <p:nvPicPr>
+          <p:cNvPr id="45" name="Graphic 44" descr="Call center">
+            <a:extLst>
+              <a:ext uri="{FF2B5EF4-FFF2-40B4-BE49-F238E27FC236}">
+                <a16:creationId xmlns:a16="http://schemas.microsoft.com/office/drawing/2014/main" id="{49F7A6F9-F769-4C9E-96DE-138A802414FB}"/>
+              </a:ext>
+            </a:extLst>
+          </p:cNvPr>
+          <p:cNvPicPr>
+            <a:picLocks noChangeAspect="1"/>
+          </p:cNvPicPr>
+          <p:nvPr/>
+        </p:nvPicPr>
+        <p:blipFill>
+          <a:blip r:embed="rId26">
+            <a:extLst>
+              <a:ext uri="{96DAC541-7B7A-43D3-8B79-37D633B846F1}">
+                <asvg:svgBlip xmlns:asvg="http://schemas.microsoft.com/office/drawing/2016/SVG/main" r:embed="rId27"/>
+              </a:ext>
+            </a:extLst>
+          </a:blip>
+          <a:stretch>
+            <a:fillRect/>
+          </a:stretch>
+        </p:blipFill>
+        <p:spPr>
+          <a:xfrm>
+            <a:off x="8599100" y="884852"/>
+            <a:ext cx="914400" cy="914400"/>
+          </a:xfrm>
+          <a:prstGeom prst="rect">
+            <a:avLst/>
+          </a:prstGeom>
+        </p:spPr>
+      </p:pic>
+      <p:pic>
+        <p:nvPicPr>
+          <p:cNvPr id="47" name="Graphic 46" descr="Computer">
+            <a:extLst>
+              <a:ext uri="{FF2B5EF4-FFF2-40B4-BE49-F238E27FC236}">
+                <a16:creationId xmlns:a16="http://schemas.microsoft.com/office/drawing/2014/main" id="{837D3224-F440-4A5F-AC8D-87D30874FEB6}"/>
+              </a:ext>
+            </a:extLst>
+          </p:cNvPr>
+          <p:cNvPicPr>
+            <a:picLocks noChangeAspect="1"/>
+          </p:cNvPicPr>
+          <p:nvPr/>
+        </p:nvPicPr>
+        <p:blipFill>
+          <a:blip r:embed="rId28">
+            <a:extLst>
+              <a:ext uri="{96DAC541-7B7A-43D3-8B79-37D633B846F1}">
+                <asvg:svgBlip xmlns:asvg="http://schemas.microsoft.com/office/drawing/2016/SVG/main" r:embed="rId29"/>
+              </a:ext>
+            </a:extLst>
+          </a:blip>
+          <a:stretch>
+            <a:fillRect/>
+          </a:stretch>
+        </p:blipFill>
+        <p:spPr>
+          <a:xfrm>
+            <a:off x="8656967" y="1602687"/>
+            <a:ext cx="914400" cy="914400"/>
+          </a:xfrm>
+          <a:prstGeom prst="rect">
+            <a:avLst/>
+          </a:prstGeom>
+        </p:spPr>
+      </p:pic>
+      <p:pic>
+        <p:nvPicPr>
+          <p:cNvPr id="48" name="Graphic 47" descr="Line Arrow: Clockwise curve">
+            <a:extLst>
+              <a:ext uri="{FF2B5EF4-FFF2-40B4-BE49-F238E27FC236}">
+                <a16:creationId xmlns:a16="http://schemas.microsoft.com/office/drawing/2014/main" id="{A6E1DD41-24ED-42B0-B9B0-E4B50D97C530}"/>
+              </a:ext>
+            </a:extLst>
+          </p:cNvPr>
+          <p:cNvPicPr>
+            <a:picLocks noChangeAspect="1"/>
+          </p:cNvPicPr>
+          <p:nvPr/>
+        </p:nvPicPr>
+        <p:blipFill>
+          <a:blip r:embed="rId8">
+            <a:extLst>
+              <a:ext uri="{96DAC541-7B7A-43D3-8B79-37D633B846F1}">
+                <asvg:svgBlip xmlns:asvg="http://schemas.microsoft.com/office/drawing/2016/SVG/main" r:embed="rId9"/>
+              </a:ext>
+            </a:extLst>
+          </a:blip>
+          <a:stretch>
+            <a:fillRect/>
+          </a:stretch>
+        </p:blipFill>
+        <p:spPr>
+          <a:xfrm rot="5194591">
+            <a:off x="7364644" y="1240034"/>
+            <a:ext cx="914400" cy="1721712"/>
+          </a:xfrm>
+          <a:prstGeom prst="rect">
+            <a:avLst/>
+          </a:prstGeom>
+        </p:spPr>
+      </p:pic>
+      <p:pic>
+        <p:nvPicPr>
+          <p:cNvPr id="50" name="Graphic 49" descr="Line Arrow: Clockwise curve">
+            <a:extLst>
+              <a:ext uri="{FF2B5EF4-FFF2-40B4-BE49-F238E27FC236}">
+                <a16:creationId xmlns:a16="http://schemas.microsoft.com/office/drawing/2014/main" id="{CF78BD4D-DDC7-4AB7-893B-E9F2555D8D59}"/>
+              </a:ext>
+            </a:extLst>
+          </p:cNvPr>
+          <p:cNvPicPr>
+            <a:picLocks noChangeAspect="1"/>
+          </p:cNvPicPr>
+          <p:nvPr/>
+        </p:nvPicPr>
+        <p:blipFill>
+          <a:blip r:embed="rId8">
+            <a:extLst>
+              <a:ext uri="{96DAC541-7B7A-43D3-8B79-37D633B846F1}">
+                <asvg:svgBlip xmlns:asvg="http://schemas.microsoft.com/office/drawing/2016/SVG/main" r:embed="rId9"/>
+              </a:ext>
+            </a:extLst>
+          </a:blip>
+          <a:stretch>
+            <a:fillRect/>
+          </a:stretch>
+        </p:blipFill>
+        <p:spPr>
+          <a:xfrm rot="15950300">
+            <a:off x="7372610" y="1819285"/>
+            <a:ext cx="914400" cy="1721712"/>
+          </a:xfrm>
+          <a:prstGeom prst="rect">
+            <a:avLst/>
+          </a:prstGeom>
+        </p:spPr>
+      </p:pic>
+      <p:pic>
+        <p:nvPicPr>
+          <p:cNvPr id="52" name="Graphic 51" descr="Money">
+            <a:extLst>
+              <a:ext uri="{FF2B5EF4-FFF2-40B4-BE49-F238E27FC236}">
+                <a16:creationId xmlns:a16="http://schemas.microsoft.com/office/drawing/2014/main" id="{A6267DBE-CFBF-4E81-B483-20A4A6123539}"/>
+              </a:ext>
+            </a:extLst>
+          </p:cNvPr>
+          <p:cNvPicPr>
+            <a:picLocks noChangeAspect="1"/>
+          </p:cNvPicPr>
+          <p:nvPr/>
+        </p:nvPicPr>
+        <p:blipFill>
+          <a:blip r:embed="rId30">
+            <a:extLst>
+              <a:ext uri="{96DAC541-7B7A-43D3-8B79-37D633B846F1}">
+                <asvg:svgBlip xmlns:asvg="http://schemas.microsoft.com/office/drawing/2016/SVG/main" r:embed="rId31"/>
+              </a:ext>
+            </a:extLst>
+          </a:blip>
+          <a:stretch>
+            <a:fillRect/>
+          </a:stretch>
+        </p:blipFill>
+        <p:spPr>
+          <a:xfrm>
+            <a:off x="7554892" y="1490614"/>
+            <a:ext cx="460584" cy="460584"/>
+          </a:xfrm>
+          <a:prstGeom prst="rect">
+            <a:avLst/>
+          </a:prstGeom>
+        </p:spPr>
+      </p:pic>
+      <p:pic>
+        <p:nvPicPr>
+          <p:cNvPr id="54" name="Graphic 53" descr="Tools">
+            <a:extLst>
+              <a:ext uri="{FF2B5EF4-FFF2-40B4-BE49-F238E27FC236}">
+                <a16:creationId xmlns:a16="http://schemas.microsoft.com/office/drawing/2014/main" id="{181E60B4-3050-4DD5-8ABD-B0B6C75F47E3}"/>
+              </a:ext>
+            </a:extLst>
+          </p:cNvPr>
+          <p:cNvPicPr>
+            <a:picLocks noChangeAspect="1"/>
+          </p:cNvPicPr>
+          <p:nvPr/>
+        </p:nvPicPr>
+        <p:blipFill>
+          <a:blip r:embed="rId32">
+            <a:extLst>
+              <a:ext uri="{96DAC541-7B7A-43D3-8B79-37D633B846F1}">
+                <asvg:svgBlip xmlns:asvg="http://schemas.microsoft.com/office/drawing/2016/SVG/main" r:embed="rId33"/>
+              </a:ext>
+            </a:extLst>
+          </a:blip>
+          <a:stretch>
+            <a:fillRect/>
+          </a:stretch>
+        </p:blipFill>
+        <p:spPr>
+          <a:xfrm>
+            <a:off x="7655530" y="2329856"/>
+            <a:ext cx="356787" cy="356787"/>
+          </a:xfrm>
+          <a:prstGeom prst="rect">
+            <a:avLst/>
+          </a:prstGeom>
+        </p:spPr>
+      </p:pic>
     </p:spTree>
     <p:extLst>
       <p:ext uri="{BB962C8B-B14F-4D97-AF65-F5344CB8AC3E}">

--- a/Park-e_presentation.pptx
+++ b/Park-e_presentation.pptx
@@ -10,6 +10,7 @@
     <p:sldId id="257" r:id="rId4"/>
     <p:sldId id="259" r:id="rId5"/>
     <p:sldId id="260" r:id="rId6"/>
+    <p:sldId id="261" r:id="rId7"/>
   </p:sldIdLst>
   <p:sldSz cx="12192000" cy="6858000"/>
   <p:notesSz cx="6858000" cy="9144000"/>
@@ -108,7 +109,27 @@
       </a:defRPr>
     </a:lvl9pPr>
   </p:defaultTextStyle>
+  <p:extLst>
+    <p:ext uri="{EFAFB233-063F-42B5-8137-9DF3F51BA10A}">
+      <p15:sldGuideLst xmlns:p15="http://schemas.microsoft.com/office/powerpoint/2012/main">
+        <p15:guide id="1" orient="horz" pos="2160" userDrawn="1">
+          <p15:clr>
+            <a:srgbClr val="A4A3A4"/>
+          </p15:clr>
+        </p15:guide>
+        <p15:guide id="2" pos="3840" userDrawn="1">
+          <p15:clr>
+            <a:srgbClr val="A4A3A4"/>
+          </p15:clr>
+        </p15:guide>
+      </p15:sldGuideLst>
+    </p:ext>
+  </p:extLst>
 </p:presentation>
+</file>
+
+<file path=ppt/revisionInfo.xml><?xml version="1.0" encoding="utf-8"?>
+<p1510:revInfo xmlns:a="http://schemas.openxmlformats.org/drawingml/2006/main" xmlns:r="http://schemas.openxmlformats.org/officeDocument/2006/relationships" xmlns:p1510="http://schemas.microsoft.com/office/powerpoint/2015/10/main"/>
 </file>
 
 <file path=ppt/slideLayouts/slideLayout1.xml><?xml version="1.0" encoding="utf-8"?>
@@ -161,7 +182,7 @@
           <a:noFill/>
           <a:extLst>
             <a:ext uri="{909E8E84-426E-40dd-AFC4-6F175D3DCCD1}">
-              <a14:hiddenFill xmlns:a14="http://schemas.microsoft.com/office/drawing/2010/main" xmlns="">
+              <a14:hiddenFill xmlns="" xmlns:a14="http://schemas.microsoft.com/office/drawing/2010/main">
                 <a:solidFill>
                   <a:srgbClr val="FFFFFF"/>
                 </a:solidFill>
@@ -221,7 +242,7 @@
             </a:ln>
             <a:extLst>
               <a:ext uri="{91240B29-F687-4f45-9708-019B960494DF}">
-                <a14:hiddenLine xmlns:a14="http://schemas.microsoft.com/office/drawing/2010/main" xmlns="" w="9525">
+                <a14:hiddenLine xmlns="" xmlns:a14="http://schemas.microsoft.com/office/drawing/2010/main" w="9525">
                   <a:solidFill>
                     <a:srgbClr val="000000"/>
                   </a:solidFill>
@@ -311,7 +332,7 @@
             </a:ln>
             <a:extLst>
               <a:ext uri="{91240B29-F687-4f45-9708-019B960494DF}">
-                <a14:hiddenLine xmlns:a14="http://schemas.microsoft.com/office/drawing/2010/main" xmlns="" w="9525">
+                <a14:hiddenLine xmlns="" xmlns:a14="http://schemas.microsoft.com/office/drawing/2010/main" w="9525">
                   <a:solidFill>
                     <a:srgbClr val="000000"/>
                   </a:solidFill>
@@ -401,7 +422,7 @@
             </a:ln>
             <a:extLst>
               <a:ext uri="{91240B29-F687-4f45-9708-019B960494DF}">
-                <a14:hiddenLine xmlns:a14="http://schemas.microsoft.com/office/drawing/2010/main" xmlns="" w="9525">
+                <a14:hiddenLine xmlns="" xmlns:a14="http://schemas.microsoft.com/office/drawing/2010/main" w="9525">
                   <a:solidFill>
                     <a:srgbClr val="000000"/>
                   </a:solidFill>
@@ -435,7 +456,7 @@
             </a:ln>
             <a:extLst>
               <a:ext uri="{91240B29-F687-4f45-9708-019B960494DF}">
-                <a14:hiddenLine xmlns:a14="http://schemas.microsoft.com/office/drawing/2010/main" xmlns="" w="9525">
+                <a14:hiddenLine xmlns="" xmlns:a14="http://schemas.microsoft.com/office/drawing/2010/main" w="9525">
                   <a:solidFill>
                     <a:srgbClr val="000000"/>
                   </a:solidFill>
@@ -525,7 +546,7 @@
             </a:ln>
             <a:extLst>
               <a:ext uri="{91240B29-F687-4f45-9708-019B960494DF}">
-                <a14:hiddenLine xmlns:a14="http://schemas.microsoft.com/office/drawing/2010/main" xmlns="" w="9525">
+                <a14:hiddenLine xmlns="" xmlns:a14="http://schemas.microsoft.com/office/drawing/2010/main" w="9525">
                   <a:solidFill>
                     <a:srgbClr val="000000"/>
                   </a:solidFill>
@@ -587,7 +608,7 @@
             </a:ln>
             <a:extLst>
               <a:ext uri="{91240B29-F687-4f45-9708-019B960494DF}">
-                <a14:hiddenLine xmlns:a14="http://schemas.microsoft.com/office/drawing/2010/main" xmlns="" w="9525">
+                <a14:hiddenLine xmlns="" xmlns:a14="http://schemas.microsoft.com/office/drawing/2010/main" w="9525">
                   <a:solidFill>
                     <a:srgbClr val="000000"/>
                   </a:solidFill>
@@ -649,7 +670,7 @@
             </a:ln>
             <a:extLst>
               <a:ext uri="{91240B29-F687-4f45-9708-019B960494DF}">
-                <a14:hiddenLine xmlns:a14="http://schemas.microsoft.com/office/drawing/2010/main" xmlns="" w="9525">
+                <a14:hiddenLine xmlns="" xmlns:a14="http://schemas.microsoft.com/office/drawing/2010/main" w="9525">
                   <a:solidFill>
                     <a:srgbClr val="000000"/>
                   </a:solidFill>
@@ -739,7 +760,7 @@
             </a:ln>
             <a:extLst>
               <a:ext uri="{91240B29-F687-4f45-9708-019B960494DF}">
-                <a14:hiddenLine xmlns:a14="http://schemas.microsoft.com/office/drawing/2010/main" xmlns="" w="9525">
+                <a14:hiddenLine xmlns="" xmlns:a14="http://schemas.microsoft.com/office/drawing/2010/main" w="9525">
                   <a:solidFill>
                     <a:srgbClr val="000000"/>
                   </a:solidFill>
@@ -801,7 +822,7 @@
             </a:ln>
             <a:extLst>
               <a:ext uri="{91240B29-F687-4f45-9708-019B960494DF}">
-                <a14:hiddenLine xmlns:a14="http://schemas.microsoft.com/office/drawing/2010/main" xmlns="" w="9525">
+                <a14:hiddenLine xmlns="" xmlns:a14="http://schemas.microsoft.com/office/drawing/2010/main" w="9525">
                   <a:solidFill>
                     <a:srgbClr val="000000"/>
                   </a:solidFill>
@@ -863,7 +884,7 @@
             </a:ln>
             <a:extLst>
               <a:ext uri="{91240B29-F687-4f45-9708-019B960494DF}">
-                <a14:hiddenLine xmlns:a14="http://schemas.microsoft.com/office/drawing/2010/main" xmlns="" w="9525">
+                <a14:hiddenLine xmlns="" xmlns:a14="http://schemas.microsoft.com/office/drawing/2010/main" w="9525">
                   <a:solidFill>
                     <a:srgbClr val="000000"/>
                   </a:solidFill>
@@ -953,7 +974,7 @@
             </a:ln>
             <a:extLst>
               <a:ext uri="{91240B29-F687-4f45-9708-019B960494DF}">
-                <a14:hiddenLine xmlns:a14="http://schemas.microsoft.com/office/drawing/2010/main" xmlns="" w="9525">
+                <a14:hiddenLine xmlns="" xmlns:a14="http://schemas.microsoft.com/office/drawing/2010/main" w="9525">
                   <a:solidFill>
                     <a:srgbClr val="000000"/>
                   </a:solidFill>
@@ -1043,7 +1064,7 @@
             </a:ln>
             <a:extLst>
               <a:ext uri="{91240B29-F687-4f45-9708-019B960494DF}">
-                <a14:hiddenLine xmlns:a14="http://schemas.microsoft.com/office/drawing/2010/main" xmlns="" w="9525">
+                <a14:hiddenLine xmlns="" xmlns:a14="http://schemas.microsoft.com/office/drawing/2010/main" w="9525">
                   <a:solidFill>
                     <a:srgbClr val="000000"/>
                   </a:solidFill>
@@ -1105,7 +1126,7 @@
             </a:ln>
             <a:extLst>
               <a:ext uri="{91240B29-F687-4f45-9708-019B960494DF}">
-                <a14:hiddenLine xmlns:a14="http://schemas.microsoft.com/office/drawing/2010/main" xmlns="" w="9525">
+                <a14:hiddenLine xmlns="" xmlns:a14="http://schemas.microsoft.com/office/drawing/2010/main" w="9525">
                   <a:solidFill>
                     <a:srgbClr val="000000"/>
                   </a:solidFill>
@@ -1215,7 +1236,7 @@
             </a:ln>
             <a:extLst>
               <a:ext uri="{91240B29-F687-4f45-9708-019B960494DF}">
-                <a14:hiddenLine xmlns:a14="http://schemas.microsoft.com/office/drawing/2010/main" xmlns="" w="9525">
+                <a14:hiddenLine xmlns="" xmlns:a14="http://schemas.microsoft.com/office/drawing/2010/main" w="9525">
                   <a:solidFill>
                     <a:srgbClr val="000000"/>
                   </a:solidFill>
@@ -1277,7 +1298,7 @@
             </a:ln>
             <a:extLst>
               <a:ext uri="{91240B29-F687-4f45-9708-019B960494DF}">
-                <a14:hiddenLine xmlns:a14="http://schemas.microsoft.com/office/drawing/2010/main" xmlns="" w="9525">
+                <a14:hiddenLine xmlns="" xmlns:a14="http://schemas.microsoft.com/office/drawing/2010/main" w="9525">
                   <a:solidFill>
                     <a:srgbClr val="000000"/>
                   </a:solidFill>
@@ -1367,7 +1388,7 @@
             </a:ln>
             <a:extLst>
               <a:ext uri="{91240B29-F687-4f45-9708-019B960494DF}">
-                <a14:hiddenLine xmlns:a14="http://schemas.microsoft.com/office/drawing/2010/main" xmlns="" w="9525">
+                <a14:hiddenLine xmlns="" xmlns:a14="http://schemas.microsoft.com/office/drawing/2010/main" w="9525">
                   <a:solidFill>
                     <a:srgbClr val="000000"/>
                   </a:solidFill>
@@ -1457,7 +1478,7 @@
             </a:ln>
             <a:extLst>
               <a:ext uri="{91240B29-F687-4f45-9708-019B960494DF}">
-                <a14:hiddenLine xmlns:a14="http://schemas.microsoft.com/office/drawing/2010/main" xmlns="" w="9525">
+                <a14:hiddenLine xmlns="" xmlns:a14="http://schemas.microsoft.com/office/drawing/2010/main" w="9525">
                   <a:solidFill>
                     <a:srgbClr val="000000"/>
                   </a:solidFill>
@@ -1519,7 +1540,7 @@
             </a:ln>
             <a:extLst>
               <a:ext uri="{91240B29-F687-4f45-9708-019B960494DF}">
-                <a14:hiddenLine xmlns:a14="http://schemas.microsoft.com/office/drawing/2010/main" xmlns="" w="9525">
+                <a14:hiddenLine xmlns="" xmlns:a14="http://schemas.microsoft.com/office/drawing/2010/main" w="9525">
                   <a:solidFill>
                     <a:srgbClr val="000000"/>
                   </a:solidFill>
@@ -1609,7 +1630,7 @@
             </a:ln>
             <a:extLst>
               <a:ext uri="{91240B29-F687-4f45-9708-019B960494DF}">
-                <a14:hiddenLine xmlns:a14="http://schemas.microsoft.com/office/drawing/2010/main" xmlns="" w="9525">
+                <a14:hiddenLine xmlns="" xmlns:a14="http://schemas.microsoft.com/office/drawing/2010/main" w="9525">
                   <a:solidFill>
                     <a:srgbClr val="000000"/>
                   </a:solidFill>
@@ -1699,7 +1720,7 @@
             </a:ln>
             <a:extLst>
               <a:ext uri="{91240B29-F687-4f45-9708-019B960494DF}">
-                <a14:hiddenLine xmlns:a14="http://schemas.microsoft.com/office/drawing/2010/main" xmlns="" w="9525">
+                <a14:hiddenLine xmlns="" xmlns:a14="http://schemas.microsoft.com/office/drawing/2010/main" w="9525">
                   <a:solidFill>
                     <a:srgbClr val="000000"/>
                   </a:solidFill>
@@ -1755,7 +1776,7 @@
             </a:ln>
             <a:extLst>
               <a:ext uri="{91240B29-F687-4f45-9708-019B960494DF}">
-                <a14:hiddenLine xmlns:a14="http://schemas.microsoft.com/office/drawing/2010/main" xmlns="" w="9525">
+                <a14:hiddenLine xmlns="" xmlns:a14="http://schemas.microsoft.com/office/drawing/2010/main" w="9525">
                   <a:solidFill>
                     <a:srgbClr val="000000"/>
                   </a:solidFill>
@@ -1845,7 +1866,7 @@
             </a:ln>
             <a:extLst>
               <a:ext uri="{91240B29-F687-4f45-9708-019B960494DF}">
-                <a14:hiddenLine xmlns:a14="http://schemas.microsoft.com/office/drawing/2010/main" xmlns="" w="9525">
+                <a14:hiddenLine xmlns="" xmlns:a14="http://schemas.microsoft.com/office/drawing/2010/main" w="9525">
                   <a:solidFill>
                     <a:srgbClr val="000000"/>
                   </a:solidFill>
@@ -1901,7 +1922,7 @@
             </a:ln>
             <a:extLst>
               <a:ext uri="{91240B29-F687-4f45-9708-019B960494DF}">
-                <a14:hiddenLine xmlns:a14="http://schemas.microsoft.com/office/drawing/2010/main" xmlns="" w="9525">
+                <a14:hiddenLine xmlns="" xmlns:a14="http://schemas.microsoft.com/office/drawing/2010/main" w="9525">
                   <a:solidFill>
                     <a:srgbClr val="000000"/>
                   </a:solidFill>
@@ -1991,7 +2012,7 @@
             </a:ln>
             <a:extLst>
               <a:ext uri="{91240B29-F687-4f45-9708-019B960494DF}">
-                <a14:hiddenLine xmlns:a14="http://schemas.microsoft.com/office/drawing/2010/main" xmlns="" w="9525">
+                <a14:hiddenLine xmlns="" xmlns:a14="http://schemas.microsoft.com/office/drawing/2010/main" w="9525">
                   <a:solidFill>
                     <a:srgbClr val="000000"/>
                   </a:solidFill>
@@ -2059,7 +2080,7 @@
             </a:ln>
             <a:extLst>
               <a:ext uri="{91240B29-F687-4f45-9708-019B960494DF}">
-                <a14:hiddenLine xmlns:a14="http://schemas.microsoft.com/office/drawing/2010/main" xmlns="" w="9525">
+                <a14:hiddenLine xmlns="" xmlns:a14="http://schemas.microsoft.com/office/drawing/2010/main" w="9525">
                   <a:solidFill>
                     <a:srgbClr val="000000"/>
                   </a:solidFill>
@@ -2149,7 +2170,7 @@
             </a:ln>
             <a:extLst>
               <a:ext uri="{91240B29-F687-4f45-9708-019B960494DF}">
-                <a14:hiddenLine xmlns:a14="http://schemas.microsoft.com/office/drawing/2010/main" xmlns="" w="9525">
+                <a14:hiddenLine xmlns="" xmlns:a14="http://schemas.microsoft.com/office/drawing/2010/main" w="9525">
                   <a:solidFill>
                     <a:srgbClr val="000000"/>
                   </a:solidFill>
@@ -2217,7 +2238,7 @@
             </a:ln>
             <a:extLst>
               <a:ext uri="{91240B29-F687-4f45-9708-019B960494DF}">
-                <a14:hiddenLine xmlns:a14="http://schemas.microsoft.com/office/drawing/2010/main" xmlns="" w="9525">
+                <a14:hiddenLine xmlns="" xmlns:a14="http://schemas.microsoft.com/office/drawing/2010/main" w="9525">
                   <a:solidFill>
                     <a:srgbClr val="000000"/>
                   </a:solidFill>
@@ -2307,7 +2328,7 @@
             </a:ln>
             <a:extLst>
               <a:ext uri="{91240B29-F687-4f45-9708-019B960494DF}">
-                <a14:hiddenLine xmlns:a14="http://schemas.microsoft.com/office/drawing/2010/main" xmlns="" w="9525">
+                <a14:hiddenLine xmlns="" xmlns:a14="http://schemas.microsoft.com/office/drawing/2010/main" w="9525">
                   <a:solidFill>
                     <a:srgbClr val="000000"/>
                   </a:solidFill>
@@ -2341,7 +2362,7 @@
             </a:ln>
             <a:extLst>
               <a:ext uri="{91240B29-F687-4f45-9708-019B960494DF}">
-                <a14:hiddenLine xmlns:a14="http://schemas.microsoft.com/office/drawing/2010/main" xmlns="" w="9525">
+                <a14:hiddenLine xmlns="" xmlns:a14="http://schemas.microsoft.com/office/drawing/2010/main" w="9525">
                   <a:solidFill>
                     <a:srgbClr val="000000"/>
                   </a:solidFill>
@@ -2431,7 +2452,7 @@
             </a:ln>
             <a:extLst>
               <a:ext uri="{91240B29-F687-4f45-9708-019B960494DF}">
-                <a14:hiddenLine xmlns:a14="http://schemas.microsoft.com/office/drawing/2010/main" xmlns="" w="9525">
+                <a14:hiddenLine xmlns="" xmlns:a14="http://schemas.microsoft.com/office/drawing/2010/main" w="9525">
                   <a:solidFill>
                     <a:srgbClr val="000000"/>
                   </a:solidFill>
@@ -2493,7 +2514,7 @@
             </a:ln>
             <a:extLst>
               <a:ext uri="{91240B29-F687-4f45-9708-019B960494DF}">
-                <a14:hiddenLine xmlns:a14="http://schemas.microsoft.com/office/drawing/2010/main" xmlns="" w="9525">
+                <a14:hiddenLine xmlns="" xmlns:a14="http://schemas.microsoft.com/office/drawing/2010/main" w="9525">
                   <a:solidFill>
                     <a:srgbClr val="000000"/>
                   </a:solidFill>
@@ -2555,7 +2576,7 @@
             </a:ln>
             <a:extLst>
               <a:ext uri="{91240B29-F687-4f45-9708-019B960494DF}">
-                <a14:hiddenLine xmlns:a14="http://schemas.microsoft.com/office/drawing/2010/main" xmlns="" w="9525">
+                <a14:hiddenLine xmlns="" xmlns:a14="http://schemas.microsoft.com/office/drawing/2010/main" w="9525">
                   <a:solidFill>
                     <a:srgbClr val="000000"/>
                   </a:solidFill>
@@ -2645,7 +2666,7 @@
             </a:ln>
             <a:extLst>
               <a:ext uri="{91240B29-F687-4f45-9708-019B960494DF}">
-                <a14:hiddenLine xmlns:a14="http://schemas.microsoft.com/office/drawing/2010/main" xmlns="" w="9525">
+                <a14:hiddenLine xmlns="" xmlns:a14="http://schemas.microsoft.com/office/drawing/2010/main" w="9525">
                   <a:solidFill>
                     <a:srgbClr val="000000"/>
                   </a:solidFill>
@@ -2713,7 +2734,7 @@
             </a:ln>
             <a:extLst>
               <a:ext uri="{91240B29-F687-4f45-9708-019B960494DF}">
-                <a14:hiddenLine xmlns:a14="http://schemas.microsoft.com/office/drawing/2010/main" xmlns="" w="9525">
+                <a14:hiddenLine xmlns="" xmlns:a14="http://schemas.microsoft.com/office/drawing/2010/main" w="9525">
                   <a:solidFill>
                     <a:srgbClr val="000000"/>
                   </a:solidFill>
@@ -2775,7 +2796,7 @@
             </a:ln>
             <a:extLst>
               <a:ext uri="{91240B29-F687-4f45-9708-019B960494DF}">
-                <a14:hiddenLine xmlns:a14="http://schemas.microsoft.com/office/drawing/2010/main" xmlns="" w="9525">
+                <a14:hiddenLine xmlns="" xmlns:a14="http://schemas.microsoft.com/office/drawing/2010/main" w="9525">
                   <a:solidFill>
                     <a:srgbClr val="000000"/>
                   </a:solidFill>
@@ -2865,7 +2886,7 @@
             </a:ln>
             <a:extLst>
               <a:ext uri="{91240B29-F687-4f45-9708-019B960494DF}">
-                <a14:hiddenLine xmlns:a14="http://schemas.microsoft.com/office/drawing/2010/main" xmlns="" w="9525">
+                <a14:hiddenLine xmlns="" xmlns:a14="http://schemas.microsoft.com/office/drawing/2010/main" w="9525">
                   <a:solidFill>
                     <a:srgbClr val="000000"/>
                   </a:solidFill>
@@ -2927,7 +2948,7 @@
             </a:ln>
             <a:extLst>
               <a:ext uri="{91240B29-F687-4f45-9708-019B960494DF}">
-                <a14:hiddenLine xmlns:a14="http://schemas.microsoft.com/office/drawing/2010/main" xmlns="" w="9525">
+                <a14:hiddenLine xmlns="" xmlns:a14="http://schemas.microsoft.com/office/drawing/2010/main" w="9525">
                   <a:solidFill>
                     <a:srgbClr val="000000"/>
                   </a:solidFill>
@@ -3017,7 +3038,7 @@
             </a:ln>
             <a:extLst>
               <a:ext uri="{91240B29-F687-4f45-9708-019B960494DF}">
-                <a14:hiddenLine xmlns:a14="http://schemas.microsoft.com/office/drawing/2010/main" xmlns="" w="9525">
+                <a14:hiddenLine xmlns="" xmlns:a14="http://schemas.microsoft.com/office/drawing/2010/main" w="9525">
                   <a:solidFill>
                     <a:srgbClr val="000000"/>
                   </a:solidFill>
@@ -3079,7 +3100,7 @@
             </a:ln>
             <a:extLst>
               <a:ext uri="{91240B29-F687-4f45-9708-019B960494DF}">
-                <a14:hiddenLine xmlns:a14="http://schemas.microsoft.com/office/drawing/2010/main" xmlns="" w="9525">
+                <a14:hiddenLine xmlns="" xmlns:a14="http://schemas.microsoft.com/office/drawing/2010/main" w="9525">
                   <a:solidFill>
                     <a:srgbClr val="000000"/>
                   </a:solidFill>
@@ -3169,7 +3190,7 @@
             </a:ln>
             <a:extLst>
               <a:ext uri="{91240B29-F687-4f45-9708-019B960494DF}">
-                <a14:hiddenLine xmlns:a14="http://schemas.microsoft.com/office/drawing/2010/main" xmlns="" w="9525">
+                <a14:hiddenLine xmlns="" xmlns:a14="http://schemas.microsoft.com/office/drawing/2010/main" w="9525">
                   <a:solidFill>
                     <a:srgbClr val="000000"/>
                   </a:solidFill>
@@ -3203,7 +3224,7 @@
             </a:ln>
             <a:extLst>
               <a:ext uri="{91240B29-F687-4f45-9708-019B960494DF}">
-                <a14:hiddenLine xmlns:a14="http://schemas.microsoft.com/office/drawing/2010/main" xmlns="" w="9525">
+                <a14:hiddenLine xmlns="" xmlns:a14="http://schemas.microsoft.com/office/drawing/2010/main" w="9525">
                   <a:solidFill>
                     <a:srgbClr val="000000"/>
                   </a:solidFill>
@@ -3268,7 +3289,7 @@
             </a:ln>
             <a:extLst>
               <a:ext uri="{91240B29-F687-4f45-9708-019B960494DF}">
-                <a14:hiddenLine xmlns:a14="http://schemas.microsoft.com/office/drawing/2010/main" xmlns="" w="9525">
+                <a14:hiddenLine xmlns="" xmlns:a14="http://schemas.microsoft.com/office/drawing/2010/main" w="9525">
                   <a:solidFill>
                     <a:srgbClr val="000000"/>
                   </a:solidFill>
@@ -3358,7 +3379,7 @@
             </a:ln>
             <a:extLst>
               <a:ext uri="{91240B29-F687-4f45-9708-019B960494DF}">
-                <a14:hiddenLine xmlns:a14="http://schemas.microsoft.com/office/drawing/2010/main" xmlns="" w="9525">
+                <a14:hiddenLine xmlns="" xmlns:a14="http://schemas.microsoft.com/office/drawing/2010/main" w="9525">
                   <a:solidFill>
                     <a:srgbClr val="000000"/>
                   </a:solidFill>
@@ -3420,7 +3441,7 @@
             </a:ln>
             <a:extLst>
               <a:ext uri="{91240B29-F687-4f45-9708-019B960494DF}">
-                <a14:hiddenLine xmlns:a14="http://schemas.microsoft.com/office/drawing/2010/main" xmlns="" w="9525">
+                <a14:hiddenLine xmlns="" xmlns:a14="http://schemas.microsoft.com/office/drawing/2010/main" w="9525">
                   <a:solidFill>
                     <a:srgbClr val="000000"/>
                   </a:solidFill>
@@ -3510,7 +3531,7 @@
             </a:ln>
             <a:extLst>
               <a:ext uri="{91240B29-F687-4f45-9708-019B960494DF}">
-                <a14:hiddenLine xmlns:a14="http://schemas.microsoft.com/office/drawing/2010/main" xmlns="" w="9525">
+                <a14:hiddenLine xmlns="" xmlns:a14="http://schemas.microsoft.com/office/drawing/2010/main" w="9525">
                   <a:solidFill>
                     <a:srgbClr val="000000"/>
                   </a:solidFill>
@@ -3600,7 +3621,7 @@
             </a:ln>
             <a:extLst>
               <a:ext uri="{91240B29-F687-4f45-9708-019B960494DF}">
-                <a14:hiddenLine xmlns:a14="http://schemas.microsoft.com/office/drawing/2010/main" xmlns="" w="9525">
+                <a14:hiddenLine xmlns="" xmlns:a14="http://schemas.microsoft.com/office/drawing/2010/main" w="9525">
                   <a:solidFill>
                     <a:srgbClr val="000000"/>
                   </a:solidFill>
@@ -3665,7 +3686,7 @@
             </a:ln>
             <a:extLst>
               <a:ext uri="{91240B29-F687-4f45-9708-019B960494DF}">
-                <a14:hiddenLine xmlns:a14="http://schemas.microsoft.com/office/drawing/2010/main" xmlns="" w="9525">
+                <a14:hiddenLine xmlns="" xmlns:a14="http://schemas.microsoft.com/office/drawing/2010/main" w="9525">
                   <a:solidFill>
                     <a:srgbClr val="000000"/>
                   </a:solidFill>
@@ -3727,7 +3748,7 @@
             </a:ln>
             <a:extLst>
               <a:ext uri="{91240B29-F687-4f45-9708-019B960494DF}">
-                <a14:hiddenLine xmlns:a14="http://schemas.microsoft.com/office/drawing/2010/main" xmlns="" w="9525">
+                <a14:hiddenLine xmlns="" xmlns:a14="http://schemas.microsoft.com/office/drawing/2010/main" w="9525">
                   <a:solidFill>
                     <a:srgbClr val="000000"/>
                   </a:solidFill>
@@ -3817,7 +3838,7 @@
             </a:ln>
             <a:extLst>
               <a:ext uri="{91240B29-F687-4f45-9708-019B960494DF}">
-                <a14:hiddenLine xmlns:a14="http://schemas.microsoft.com/office/drawing/2010/main" xmlns="" w="9525">
+                <a14:hiddenLine xmlns="" xmlns:a14="http://schemas.microsoft.com/office/drawing/2010/main" w="9525">
                   <a:solidFill>
                     <a:srgbClr val="000000"/>
                   </a:solidFill>
@@ -3907,7 +3928,7 @@
             </a:ln>
             <a:extLst>
               <a:ext uri="{91240B29-F687-4f45-9708-019B960494DF}">
-                <a14:hiddenLine xmlns:a14="http://schemas.microsoft.com/office/drawing/2010/main" xmlns="" w="9525">
+                <a14:hiddenLine xmlns="" xmlns:a14="http://schemas.microsoft.com/office/drawing/2010/main" w="9525">
                   <a:solidFill>
                     <a:srgbClr val="000000"/>
                   </a:solidFill>
@@ -3969,7 +3990,7 @@
             </a:ln>
             <a:extLst>
               <a:ext uri="{91240B29-F687-4f45-9708-019B960494DF}">
-                <a14:hiddenLine xmlns:a14="http://schemas.microsoft.com/office/drawing/2010/main" xmlns="" w="9525">
+                <a14:hiddenLine xmlns="" xmlns:a14="http://schemas.microsoft.com/office/drawing/2010/main" w="9525">
                   <a:solidFill>
                     <a:srgbClr val="000000"/>
                   </a:solidFill>
@@ -4089,7 +4110,7 @@
             </a:ln>
             <a:extLst>
               <a:ext uri="{91240B29-F687-4f45-9708-019B960494DF}">
-                <a14:hiddenLine xmlns:a14="http://schemas.microsoft.com/office/drawing/2010/main" xmlns="" w="9525">
+                <a14:hiddenLine xmlns="" xmlns:a14="http://schemas.microsoft.com/office/drawing/2010/main" w="9525">
                   <a:solidFill>
                     <a:srgbClr val="000000"/>
                   </a:solidFill>
@@ -4157,7 +4178,7 @@
             </a:ln>
             <a:extLst>
               <a:ext uri="{91240B29-F687-4f45-9708-019B960494DF}">
-                <a14:hiddenLine xmlns:a14="http://schemas.microsoft.com/office/drawing/2010/main" xmlns="" w="9525">
+                <a14:hiddenLine xmlns="" xmlns:a14="http://schemas.microsoft.com/office/drawing/2010/main" w="9525">
                   <a:solidFill>
                     <a:srgbClr val="000000"/>
                   </a:solidFill>
@@ -4247,7 +4268,7 @@
             </a:ln>
             <a:extLst>
               <a:ext uri="{91240B29-F687-4f45-9708-019B960494DF}">
-                <a14:hiddenLine xmlns:a14="http://schemas.microsoft.com/office/drawing/2010/main" xmlns="" w="9525">
+                <a14:hiddenLine xmlns="" xmlns:a14="http://schemas.microsoft.com/office/drawing/2010/main" w="9525">
                   <a:solidFill>
                     <a:srgbClr val="000000"/>
                   </a:solidFill>
@@ -4387,7 +4408,7 @@
           <a:p>
             <a:fld id="{48A87A34-81AB-432B-8DAE-1953F412C126}" type="datetimeFigureOut">
               <a:rPr lang="en-US" dirty="0"/>
-              <a:t>2017-10-24</a:t>
+              <a:t>2017-10-25</a:t>
             </a:fld>
             <a:endParaRPr lang="en-US" dirty="0"/>
           </a:p>
@@ -4649,7 +4670,7 @@
           <a:p>
             <a:fld id="{48A87A34-81AB-432B-8DAE-1953F412C126}" type="datetimeFigureOut">
               <a:rPr lang="en-US" dirty="0"/>
-              <a:t>2017-10-24</a:t>
+              <a:t>2017-10-25</a:t>
             </a:fld>
             <a:endParaRPr lang="en-US" dirty="0"/>
           </a:p>
@@ -4840,7 +4861,7 @@
           <a:p>
             <a:fld id="{48A87A34-81AB-432B-8DAE-1953F412C126}" type="datetimeFigureOut">
               <a:rPr lang="en-US" dirty="0"/>
-              <a:t>2017-10-24</a:t>
+              <a:t>2017-10-25</a:t>
             </a:fld>
             <a:endParaRPr lang="en-US" dirty="0"/>
           </a:p>
@@ -5098,7 +5119,7 @@
           <a:p>
             <a:fld id="{48A87A34-81AB-432B-8DAE-1953F412C126}" type="datetimeFigureOut">
               <a:rPr lang="en-US" dirty="0"/>
-              <a:t>2017-10-24</a:t>
+              <a:t>2017-10-25</a:t>
             </a:fld>
             <a:endParaRPr lang="en-US" dirty="0"/>
           </a:p>
@@ -5527,7 +5548,7 @@
           <a:p>
             <a:fld id="{48A87A34-81AB-432B-8DAE-1953F412C126}" type="datetimeFigureOut">
               <a:rPr lang="en-US" dirty="0"/>
-              <a:t>2017-10-24</a:t>
+              <a:t>2017-10-25</a:t>
             </a:fld>
             <a:endParaRPr lang="en-US" dirty="0"/>
           </a:p>
@@ -6068,7 +6089,7 @@
           <a:p>
             <a:fld id="{48A87A34-81AB-432B-8DAE-1953F412C126}" type="datetimeFigureOut">
               <a:rPr lang="en-US" dirty="0"/>
-              <a:t>2017-10-24</a:t>
+              <a:t>2017-10-25</a:t>
             </a:fld>
             <a:endParaRPr lang="en-US" dirty="0"/>
           </a:p>
@@ -6783,7 +6804,7 @@
           <a:p>
             <a:fld id="{48A87A34-81AB-432B-8DAE-1953F412C126}" type="datetimeFigureOut">
               <a:rPr lang="en-US" dirty="0"/>
-              <a:t>2017-10-24</a:t>
+              <a:t>2017-10-25</a:t>
             </a:fld>
             <a:endParaRPr lang="en-US" dirty="0"/>
           </a:p>
@@ -6948,7 +6969,7 @@
           <a:p>
             <a:fld id="{48A87A34-81AB-432B-8DAE-1953F412C126}" type="datetimeFigureOut">
               <a:rPr lang="en-US" dirty="0"/>
-              <a:t>2017-10-24</a:t>
+              <a:t>2017-10-25</a:t>
             </a:fld>
             <a:endParaRPr lang="en-US" dirty="0"/>
           </a:p>
@@ -7123,7 +7144,7 @@
           <a:p>
             <a:fld id="{48A87A34-81AB-432B-8DAE-1953F412C126}" type="datetimeFigureOut">
               <a:rPr lang="en-US" dirty="0"/>
-              <a:t>2017-10-24</a:t>
+              <a:t>2017-10-25</a:t>
             </a:fld>
             <a:endParaRPr lang="en-US" dirty="0"/>
           </a:p>
@@ -7288,7 +7309,7 @@
           <a:p>
             <a:fld id="{48A87A34-81AB-432B-8DAE-1953F412C126}" type="datetimeFigureOut">
               <a:rPr lang="en-US" dirty="0"/>
-              <a:t>2017-10-24</a:t>
+              <a:t>2017-10-25</a:t>
             </a:fld>
             <a:endParaRPr lang="en-US" dirty="0"/>
           </a:p>
@@ -7533,7 +7554,7 @@
           <a:p>
             <a:fld id="{48A87A34-81AB-432B-8DAE-1953F412C126}" type="datetimeFigureOut">
               <a:rPr lang="en-US" dirty="0"/>
-              <a:t>2017-10-24</a:t>
+              <a:t>2017-10-25</a:t>
             </a:fld>
             <a:endParaRPr lang="en-US" dirty="0"/>
           </a:p>
@@ -7760,7 +7781,7 @@
           <a:p>
             <a:fld id="{48A87A34-81AB-432B-8DAE-1953F412C126}" type="datetimeFigureOut">
               <a:rPr lang="en-US" dirty="0"/>
-              <a:t>2017-10-24</a:t>
+              <a:t>2017-10-25</a:t>
             </a:fld>
             <a:endParaRPr lang="en-US" dirty="0"/>
           </a:p>
@@ -8136,7 +8157,7 @@
           <a:p>
             <a:fld id="{48A87A34-81AB-432B-8DAE-1953F412C126}" type="datetimeFigureOut">
               <a:rPr lang="en-US" dirty="0"/>
-              <a:t>2017-10-24</a:t>
+              <a:t>2017-10-25</a:t>
             </a:fld>
             <a:endParaRPr lang="en-US" dirty="0"/>
           </a:p>
@@ -8249,7 +8270,7 @@
           <a:p>
             <a:fld id="{48A87A34-81AB-432B-8DAE-1953F412C126}" type="datetimeFigureOut">
               <a:rPr lang="en-US" dirty="0"/>
-              <a:t>2017-10-24</a:t>
+              <a:t>2017-10-25</a:t>
             </a:fld>
             <a:endParaRPr lang="en-US" dirty="0"/>
           </a:p>
@@ -8339,7 +8360,7 @@
           <a:p>
             <a:fld id="{48A87A34-81AB-432B-8DAE-1953F412C126}" type="datetimeFigureOut">
               <a:rPr lang="en-US" dirty="0"/>
-              <a:t>2017-10-24</a:t>
+              <a:t>2017-10-25</a:t>
             </a:fld>
             <a:endParaRPr lang="en-US" dirty="0"/>
           </a:p>
@@ -8583,7 +8604,7 @@
           <a:p>
             <a:fld id="{48A87A34-81AB-432B-8DAE-1953F412C126}" type="datetimeFigureOut">
               <a:rPr lang="en-US" dirty="0"/>
-              <a:t>2017-10-24</a:t>
+              <a:t>2017-10-25</a:t>
             </a:fld>
             <a:endParaRPr lang="en-US" dirty="0"/>
           </a:p>
@@ -8858,7 +8879,7 @@
           <a:p>
             <a:fld id="{48A87A34-81AB-432B-8DAE-1953F412C126}" type="datetimeFigureOut">
               <a:rPr lang="en-US" dirty="0"/>
-              <a:t>2017-10-24</a:t>
+              <a:t>2017-10-25</a:t>
             </a:fld>
             <a:endParaRPr lang="en-US" dirty="0"/>
           </a:p>
@@ -8969,7 +8990,7 @@
           <a:noFill/>
           <a:extLst>
             <a:ext uri="{909E8E84-426E-40dd-AFC4-6F175D3DCCD1}">
-              <a14:hiddenFill xmlns:a14="http://schemas.microsoft.com/office/drawing/2010/main" xmlns="">
+              <a14:hiddenFill xmlns="" xmlns:a14="http://schemas.microsoft.com/office/drawing/2010/main">
                 <a:solidFill>
                   <a:srgbClr val="FFFFFF"/>
                 </a:solidFill>
@@ -9043,7 +9064,7 @@
               </a:ln>
               <a:extLst>
                 <a:ext uri="{91240B29-F687-4f45-9708-019B960494DF}">
-                  <a14:hiddenLine xmlns:a14="http://schemas.microsoft.com/office/drawing/2010/main" xmlns="" w="9525">
+                  <a14:hiddenLine xmlns="" xmlns:a14="http://schemas.microsoft.com/office/drawing/2010/main" w="9525">
                     <a:solidFill>
                       <a:srgbClr val="000000"/>
                     </a:solidFill>
@@ -9133,7 +9154,7 @@
               </a:ln>
               <a:extLst>
                 <a:ext uri="{91240B29-F687-4f45-9708-019B960494DF}">
-                  <a14:hiddenLine xmlns:a14="http://schemas.microsoft.com/office/drawing/2010/main" xmlns="" w="9525">
+                  <a14:hiddenLine xmlns="" xmlns:a14="http://schemas.microsoft.com/office/drawing/2010/main" w="9525">
                     <a:solidFill>
                       <a:srgbClr val="000000"/>
                     </a:solidFill>
@@ -9223,7 +9244,7 @@
               </a:ln>
               <a:extLst>
                 <a:ext uri="{91240B29-F687-4f45-9708-019B960494DF}">
-                  <a14:hiddenLine xmlns:a14="http://schemas.microsoft.com/office/drawing/2010/main" xmlns="" w="9525">
+                  <a14:hiddenLine xmlns="" xmlns:a14="http://schemas.microsoft.com/office/drawing/2010/main" w="9525">
                     <a:solidFill>
                       <a:srgbClr val="000000"/>
                     </a:solidFill>
@@ -9285,7 +9306,7 @@
               </a:ln>
               <a:extLst>
                 <a:ext uri="{91240B29-F687-4f45-9708-019B960494DF}">
-                  <a14:hiddenLine xmlns:a14="http://schemas.microsoft.com/office/drawing/2010/main" xmlns="" w="9525">
+                  <a14:hiddenLine xmlns="" xmlns:a14="http://schemas.microsoft.com/office/drawing/2010/main" w="9525">
                     <a:solidFill>
                       <a:srgbClr val="000000"/>
                     </a:solidFill>
@@ -9375,7 +9396,7 @@
               </a:ln>
               <a:extLst>
                 <a:ext uri="{91240B29-F687-4f45-9708-019B960494DF}">
-                  <a14:hiddenLine xmlns:a14="http://schemas.microsoft.com/office/drawing/2010/main" xmlns="" w="9525">
+                  <a14:hiddenLine xmlns="" xmlns:a14="http://schemas.microsoft.com/office/drawing/2010/main" w="9525">
                     <a:solidFill>
                       <a:srgbClr val="000000"/>
                     </a:solidFill>
@@ -9437,7 +9458,7 @@
               </a:ln>
               <a:extLst>
                 <a:ext uri="{91240B29-F687-4f45-9708-019B960494DF}">
-                  <a14:hiddenLine xmlns:a14="http://schemas.microsoft.com/office/drawing/2010/main" xmlns="" w="9525">
+                  <a14:hiddenLine xmlns="" xmlns:a14="http://schemas.microsoft.com/office/drawing/2010/main" w="9525">
                     <a:solidFill>
                       <a:srgbClr val="000000"/>
                     </a:solidFill>
@@ -9499,7 +9520,7 @@
               </a:ln>
               <a:extLst>
                 <a:ext uri="{91240B29-F687-4f45-9708-019B960494DF}">
-                  <a14:hiddenLine xmlns:a14="http://schemas.microsoft.com/office/drawing/2010/main" xmlns="" w="9525">
+                  <a14:hiddenLine xmlns="" xmlns:a14="http://schemas.microsoft.com/office/drawing/2010/main" w="9525">
                     <a:solidFill>
                       <a:srgbClr val="000000"/>
                     </a:solidFill>
@@ -9589,7 +9610,7 @@
               </a:ln>
               <a:extLst>
                 <a:ext uri="{91240B29-F687-4f45-9708-019B960494DF}">
-                  <a14:hiddenLine xmlns:a14="http://schemas.microsoft.com/office/drawing/2010/main" xmlns="" w="9525">
+                  <a14:hiddenLine xmlns="" xmlns:a14="http://schemas.microsoft.com/office/drawing/2010/main" w="9525">
                     <a:solidFill>
                       <a:srgbClr val="000000"/>
                     </a:solidFill>
@@ -9679,7 +9700,7 @@
               </a:ln>
               <a:extLst>
                 <a:ext uri="{91240B29-F687-4f45-9708-019B960494DF}">
-                  <a14:hiddenLine xmlns:a14="http://schemas.microsoft.com/office/drawing/2010/main" xmlns="" w="9525">
+                  <a14:hiddenLine xmlns="" xmlns:a14="http://schemas.microsoft.com/office/drawing/2010/main" w="9525">
                     <a:solidFill>
                       <a:srgbClr val="000000"/>
                     </a:solidFill>
@@ -9741,7 +9762,7 @@
               </a:ln>
               <a:extLst>
                 <a:ext uri="{91240B29-F687-4f45-9708-019B960494DF}">
-                  <a14:hiddenLine xmlns:a14="http://schemas.microsoft.com/office/drawing/2010/main" xmlns="" w="9525">
+                  <a14:hiddenLine xmlns="" xmlns:a14="http://schemas.microsoft.com/office/drawing/2010/main" w="9525">
                     <a:solidFill>
                       <a:srgbClr val="000000"/>
                     </a:solidFill>
@@ -9851,7 +9872,7 @@
               </a:ln>
               <a:extLst>
                 <a:ext uri="{91240B29-F687-4f45-9708-019B960494DF}">
-                  <a14:hiddenLine xmlns:a14="http://schemas.microsoft.com/office/drawing/2010/main" xmlns="" w="9525">
+                  <a14:hiddenLine xmlns="" xmlns:a14="http://schemas.microsoft.com/office/drawing/2010/main" w="9525">
                     <a:solidFill>
                       <a:srgbClr val="000000"/>
                     </a:solidFill>
@@ -9935,7 +9956,7 @@
               </a:ln>
               <a:extLst>
                 <a:ext uri="{91240B29-F687-4f45-9708-019B960494DF}">
-                  <a14:hiddenLine xmlns:a14="http://schemas.microsoft.com/office/drawing/2010/main" xmlns="" w="9525">
+                  <a14:hiddenLine xmlns="" xmlns:a14="http://schemas.microsoft.com/office/drawing/2010/main" w="9525">
                     <a:solidFill>
                       <a:srgbClr val="000000"/>
                     </a:solidFill>
@@ -9997,7 +10018,7 @@
               </a:ln>
               <a:extLst>
                 <a:ext uri="{91240B29-F687-4f45-9708-019B960494DF}">
-                  <a14:hiddenLine xmlns:a14="http://schemas.microsoft.com/office/drawing/2010/main" xmlns="" w="9525">
+                  <a14:hiddenLine xmlns="" xmlns:a14="http://schemas.microsoft.com/office/drawing/2010/main" w="9525">
                     <a:solidFill>
                       <a:srgbClr val="000000"/>
                     </a:solidFill>
@@ -10059,7 +10080,7 @@
               </a:ln>
               <a:extLst>
                 <a:ext uri="{91240B29-F687-4f45-9708-019B960494DF}">
-                  <a14:hiddenLine xmlns:a14="http://schemas.microsoft.com/office/drawing/2010/main" xmlns="" w="9525">
+                  <a14:hiddenLine xmlns="" xmlns:a14="http://schemas.microsoft.com/office/drawing/2010/main" w="9525">
                     <a:solidFill>
                       <a:srgbClr val="000000"/>
                     </a:solidFill>
@@ -10149,7 +10170,7 @@
               </a:ln>
               <a:extLst>
                 <a:ext uri="{91240B29-F687-4f45-9708-019B960494DF}">
-                  <a14:hiddenLine xmlns:a14="http://schemas.microsoft.com/office/drawing/2010/main" xmlns="" w="9525">
+                  <a14:hiddenLine xmlns="" xmlns:a14="http://schemas.microsoft.com/office/drawing/2010/main" w="9525">
                     <a:solidFill>
                       <a:srgbClr val="000000"/>
                     </a:solidFill>
@@ -10183,7 +10204,7 @@
               </a:ln>
               <a:extLst>
                 <a:ext uri="{91240B29-F687-4f45-9708-019B960494DF}">
-                  <a14:hiddenLine xmlns:a14="http://schemas.microsoft.com/office/drawing/2010/main" xmlns="" w="9525">
+                  <a14:hiddenLine xmlns="" xmlns:a14="http://schemas.microsoft.com/office/drawing/2010/main" w="9525">
                     <a:solidFill>
                       <a:srgbClr val="000000"/>
                     </a:solidFill>
@@ -10248,7 +10269,7 @@
               </a:ln>
               <a:extLst>
                 <a:ext uri="{91240B29-F687-4f45-9708-019B960494DF}">
-                  <a14:hiddenLine xmlns:a14="http://schemas.microsoft.com/office/drawing/2010/main" xmlns="" w="9525">
+                  <a14:hiddenLine xmlns="" xmlns:a14="http://schemas.microsoft.com/office/drawing/2010/main" w="9525">
                     <a:solidFill>
                       <a:srgbClr val="000000"/>
                     </a:solidFill>
@@ -10338,7 +10359,7 @@
               </a:ln>
               <a:extLst>
                 <a:ext uri="{91240B29-F687-4f45-9708-019B960494DF}">
-                  <a14:hiddenLine xmlns:a14="http://schemas.microsoft.com/office/drawing/2010/main" xmlns="" w="9525">
+                  <a14:hiddenLine xmlns="" xmlns:a14="http://schemas.microsoft.com/office/drawing/2010/main" w="9525">
                     <a:solidFill>
                       <a:srgbClr val="000000"/>
                     </a:solidFill>
@@ -10400,7 +10421,7 @@
               </a:ln>
               <a:extLst>
                 <a:ext uri="{91240B29-F687-4f45-9708-019B960494DF}">
-                  <a14:hiddenLine xmlns:a14="http://schemas.microsoft.com/office/drawing/2010/main" xmlns="" w="9525">
+                  <a14:hiddenLine xmlns="" xmlns:a14="http://schemas.microsoft.com/office/drawing/2010/main" w="9525">
                     <a:solidFill>
                       <a:srgbClr val="000000"/>
                     </a:solidFill>
@@ -10490,7 +10511,7 @@
               </a:ln>
               <a:extLst>
                 <a:ext uri="{91240B29-F687-4f45-9708-019B960494DF}">
-                  <a14:hiddenLine xmlns:a14="http://schemas.microsoft.com/office/drawing/2010/main" xmlns="" w="9525">
+                  <a14:hiddenLine xmlns="" xmlns:a14="http://schemas.microsoft.com/office/drawing/2010/main" w="9525">
                     <a:solidFill>
                       <a:srgbClr val="000000"/>
                     </a:solidFill>
@@ -10555,7 +10576,7 @@
               </a:ln>
               <a:extLst>
                 <a:ext uri="{91240B29-F687-4f45-9708-019B960494DF}">
-                  <a14:hiddenLine xmlns:a14="http://schemas.microsoft.com/office/drawing/2010/main" xmlns="" w="9525">
+                  <a14:hiddenLine xmlns="" xmlns:a14="http://schemas.microsoft.com/office/drawing/2010/main" w="9525">
                     <a:solidFill>
                       <a:srgbClr val="000000"/>
                     </a:solidFill>
@@ -10617,7 +10638,7 @@
               </a:ln>
               <a:extLst>
                 <a:ext uri="{91240B29-F687-4f45-9708-019B960494DF}">
-                  <a14:hiddenLine xmlns:a14="http://schemas.microsoft.com/office/drawing/2010/main" xmlns="" w="9525">
+                  <a14:hiddenLine xmlns="" xmlns:a14="http://schemas.microsoft.com/office/drawing/2010/main" w="9525">
                     <a:solidFill>
                       <a:srgbClr val="000000"/>
                     </a:solidFill>
@@ -10707,7 +10728,7 @@
               </a:ln>
               <a:extLst>
                 <a:ext uri="{91240B29-F687-4f45-9708-019B960494DF}">
-                  <a14:hiddenLine xmlns:a14="http://schemas.microsoft.com/office/drawing/2010/main" xmlns="" w="9525">
+                  <a14:hiddenLine xmlns="" xmlns:a14="http://schemas.microsoft.com/office/drawing/2010/main" w="9525">
                     <a:solidFill>
                       <a:srgbClr val="000000"/>
                     </a:solidFill>
@@ -10797,7 +10818,7 @@
               </a:ln>
               <a:extLst>
                 <a:ext uri="{91240B29-F687-4f45-9708-019B960494DF}">
-                  <a14:hiddenLine xmlns:a14="http://schemas.microsoft.com/office/drawing/2010/main" xmlns="" w="9525">
+                  <a14:hiddenLine xmlns="" xmlns:a14="http://schemas.microsoft.com/office/drawing/2010/main" w="9525">
                     <a:solidFill>
                       <a:srgbClr val="000000"/>
                     </a:solidFill>
@@ -10862,7 +10883,7 @@
               </a:ln>
               <a:extLst>
                 <a:ext uri="{91240B29-F687-4f45-9708-019B960494DF}">
-                  <a14:hiddenLine xmlns:a14="http://schemas.microsoft.com/office/drawing/2010/main" xmlns="" w="9525">
+                  <a14:hiddenLine xmlns="" xmlns:a14="http://schemas.microsoft.com/office/drawing/2010/main" w="9525">
                     <a:solidFill>
                       <a:srgbClr val="000000"/>
                     </a:solidFill>
@@ -10982,7 +11003,7 @@
               </a:ln>
               <a:extLst>
                 <a:ext uri="{91240B29-F687-4f45-9708-019B960494DF}">
-                  <a14:hiddenLine xmlns:a14="http://schemas.microsoft.com/office/drawing/2010/main" xmlns="" w="9525">
+                  <a14:hiddenLine xmlns="" xmlns:a14="http://schemas.microsoft.com/office/drawing/2010/main" w="9525">
                     <a:solidFill>
                       <a:srgbClr val="000000"/>
                     </a:solidFill>
@@ -11080,7 +11101,7 @@
               </a:ln>
               <a:extLst>
                 <a:ext uri="{91240B29-F687-4f45-9708-019B960494DF}">
-                  <a14:hiddenLine xmlns:a14="http://schemas.microsoft.com/office/drawing/2010/main" xmlns="" w="9525">
+                  <a14:hiddenLine xmlns="" xmlns:a14="http://schemas.microsoft.com/office/drawing/2010/main" w="9525">
                     <a:solidFill>
                       <a:srgbClr val="000000"/>
                     </a:solidFill>
@@ -11195,7 +11216,7 @@
               </a:ln>
               <a:extLst>
                 <a:ext uri="{91240B29-F687-4f45-9708-019B960494DF}">
-                  <a14:hiddenLine xmlns:a14="http://schemas.microsoft.com/office/drawing/2010/main" xmlns="" w="9525">
+                  <a14:hiddenLine xmlns="" xmlns:a14="http://schemas.microsoft.com/office/drawing/2010/main" w="9525">
                     <a:solidFill>
                       <a:srgbClr val="000000"/>
                     </a:solidFill>
@@ -11285,7 +11306,7 @@
               </a:ln>
               <a:extLst>
                 <a:ext uri="{91240B29-F687-4f45-9708-019B960494DF}">
-                  <a14:hiddenLine xmlns:a14="http://schemas.microsoft.com/office/drawing/2010/main" xmlns="" w="9525">
+                  <a14:hiddenLine xmlns="" xmlns:a14="http://schemas.microsoft.com/office/drawing/2010/main" w="9525">
                     <a:solidFill>
                       <a:srgbClr val="000000"/>
                     </a:solidFill>
@@ -11350,7 +11371,7 @@
               </a:ln>
               <a:extLst>
                 <a:ext uri="{91240B29-F687-4f45-9708-019B960494DF}">
-                  <a14:hiddenLine xmlns:a14="http://schemas.microsoft.com/office/drawing/2010/main" xmlns="" w="9525">
+                  <a14:hiddenLine xmlns="" xmlns:a14="http://schemas.microsoft.com/office/drawing/2010/main" w="9525">
                     <a:solidFill>
                       <a:srgbClr val="000000"/>
                     </a:solidFill>
@@ -11440,7 +11461,7 @@
               </a:ln>
               <a:extLst>
                 <a:ext uri="{91240B29-F687-4f45-9708-019B960494DF}">
-                  <a14:hiddenLine xmlns:a14="http://schemas.microsoft.com/office/drawing/2010/main" xmlns="" w="9525">
+                  <a14:hiddenLine xmlns="" xmlns:a14="http://schemas.microsoft.com/office/drawing/2010/main" w="9525">
                     <a:solidFill>
                       <a:srgbClr val="000000"/>
                     </a:solidFill>
@@ -11508,7 +11529,7 @@
               </a:ln>
               <a:extLst>
                 <a:ext uri="{91240B29-F687-4f45-9708-019B960494DF}">
-                  <a14:hiddenLine xmlns:a14="http://schemas.microsoft.com/office/drawing/2010/main" xmlns="" w="9525">
+                  <a14:hiddenLine xmlns="" xmlns:a14="http://schemas.microsoft.com/office/drawing/2010/main" w="9525">
                     <a:solidFill>
                       <a:srgbClr val="000000"/>
                     </a:solidFill>
@@ -11598,7 +11619,7 @@
               </a:ln>
               <a:extLst>
                 <a:ext uri="{91240B29-F687-4f45-9708-019B960494DF}">
-                  <a14:hiddenLine xmlns:a14="http://schemas.microsoft.com/office/drawing/2010/main" xmlns="" w="9525">
+                  <a14:hiddenLine xmlns="" xmlns:a14="http://schemas.microsoft.com/office/drawing/2010/main" w="9525">
                     <a:solidFill>
                       <a:srgbClr val="000000"/>
                     </a:solidFill>
@@ -11666,7 +11687,7 @@
               </a:ln>
               <a:extLst>
                 <a:ext uri="{91240B29-F687-4f45-9708-019B960494DF}">
-                  <a14:hiddenLine xmlns:a14="http://schemas.microsoft.com/office/drawing/2010/main" xmlns="" w="9525">
+                  <a14:hiddenLine xmlns="" xmlns:a14="http://schemas.microsoft.com/office/drawing/2010/main" w="9525">
                     <a:solidFill>
                       <a:srgbClr val="000000"/>
                     </a:solidFill>
@@ -11756,7 +11777,7 @@
               </a:ln>
               <a:extLst>
                 <a:ext uri="{91240B29-F687-4f45-9708-019B960494DF}">
-                  <a14:hiddenLine xmlns:a14="http://schemas.microsoft.com/office/drawing/2010/main" xmlns="" w="9525">
+                  <a14:hiddenLine xmlns="" xmlns:a14="http://schemas.microsoft.com/office/drawing/2010/main" w="9525">
                     <a:solidFill>
                       <a:srgbClr val="000000"/>
                     </a:solidFill>
@@ -11790,7 +11811,7 @@
               </a:ln>
               <a:extLst>
                 <a:ext uri="{91240B29-F687-4f45-9708-019B960494DF}">
-                  <a14:hiddenLine xmlns:a14="http://schemas.microsoft.com/office/drawing/2010/main" xmlns="" w="9525">
+                  <a14:hiddenLine xmlns="" xmlns:a14="http://schemas.microsoft.com/office/drawing/2010/main" w="9525">
                     <a:solidFill>
                       <a:srgbClr val="000000"/>
                     </a:solidFill>
@@ -11931,7 +11952,7 @@
             <a:fld id="{48A87A34-81AB-432B-8DAE-1953F412C126}" type="datetimeFigureOut">
               <a:rPr lang="en-US" dirty="0"/>
               <a:pPr/>
-              <a:t>2017-10-24</a:t>
+              <a:t>2017-10-25</a:t>
             </a:fld>
             <a:endParaRPr lang="en-US" dirty="0"/>
           </a:p>
@@ -13975,6 +13996,131 @@
 </p:sld>
 </file>
 
+<file path=ppt/slides/slide6.xml><?xml version="1.0" encoding="utf-8"?>
+<p:sld xmlns:a="http://schemas.openxmlformats.org/drawingml/2006/main" xmlns:r="http://schemas.openxmlformats.org/officeDocument/2006/relationships" xmlns:p="http://schemas.openxmlformats.org/presentationml/2006/main">
+  <p:cSld>
+    <p:spTree>
+      <p:nvGrpSpPr>
+        <p:cNvPr id="1" name=""/>
+        <p:cNvGrpSpPr/>
+        <p:nvPr/>
+      </p:nvGrpSpPr>
+      <p:grpSpPr>
+        <a:xfrm>
+          <a:off x="0" y="0"/>
+          <a:ext cx="0" cy="0"/>
+          <a:chOff x="0" y="0"/>
+          <a:chExt cx="0" cy="0"/>
+        </a:xfrm>
+      </p:grpSpPr>
+      <p:sp>
+        <p:nvSpPr>
+          <p:cNvPr id="4" name="Oval 3">
+            <a:extLst>
+              <a:ext uri="{FF2B5EF4-FFF2-40B4-BE49-F238E27FC236}">
+                <a16:creationId xmlns:a16="http://schemas.microsoft.com/office/drawing/2014/main" id="{ABC808A5-94E6-4F8A-8B56-ED30B1223516}"/>
+              </a:ext>
+            </a:extLst>
+          </p:cNvPr>
+          <p:cNvSpPr/>
+          <p:nvPr/>
+        </p:nvSpPr>
+        <p:spPr>
+          <a:xfrm>
+            <a:off x="4088892" y="1424354"/>
+            <a:ext cx="4014216" cy="4009293"/>
+          </a:xfrm>
+          <a:prstGeom prst="ellipse">
+            <a:avLst/>
+          </a:prstGeom>
+          <a:solidFill>
+            <a:schemeClr val="accent1">
+              <a:lumMod val="60000"/>
+              <a:lumOff val="40000"/>
+            </a:schemeClr>
+          </a:solidFill>
+          <a:ln w="31750"/>
+        </p:spPr>
+        <p:style>
+          <a:lnRef idx="2">
+            <a:schemeClr val="accent1">
+              <a:shade val="50000"/>
+            </a:schemeClr>
+          </a:lnRef>
+          <a:fillRef idx="1">
+            <a:schemeClr val="accent1"/>
+          </a:fillRef>
+          <a:effectRef idx="0">
+            <a:schemeClr val="accent1"/>
+          </a:effectRef>
+          <a:fontRef idx="minor">
+            <a:schemeClr val="lt1"/>
+          </a:fontRef>
+        </p:style>
+        <p:txBody>
+          <a:bodyPr rtlCol="0" anchor="ctr"/>
+          <a:lstStyle/>
+          <a:p>
+            <a:pPr algn="ctr"/>
+            <a:endParaRPr lang="en-US" dirty="0"/>
+          </a:p>
+        </p:txBody>
+      </p:sp>
+      <p:sp>
+        <p:nvSpPr>
+          <p:cNvPr id="5" name="TextBox 4">
+            <a:extLst>
+              <a:ext uri="{FF2B5EF4-FFF2-40B4-BE49-F238E27FC236}">
+                <a16:creationId xmlns:a16="http://schemas.microsoft.com/office/drawing/2014/main" id="{F55A0A8F-25D9-4E98-82E7-0D23CDE07174}"/>
+              </a:ext>
+            </a:extLst>
+          </p:cNvPr>
+          <p:cNvSpPr txBox="1"/>
+          <p:nvPr/>
+        </p:nvSpPr>
+        <p:spPr>
+          <a:xfrm>
+            <a:off x="5164335" y="2982724"/>
+            <a:ext cx="1863331" cy="892552"/>
+          </a:xfrm>
+          <a:prstGeom prst="rect">
+            <a:avLst/>
+          </a:prstGeom>
+          <a:noFill/>
+        </p:spPr>
+        <p:txBody>
+          <a:bodyPr wrap="none" rtlCol="0" anchor="ctr">
+            <a:spAutoFit/>
+          </a:bodyPr>
+          <a:lstStyle/>
+          <a:p>
+            <a:r>
+              <a:rPr lang="hu-HU" sz="4000" u="sng" dirty="0"/>
+              <a:t>Park – E</a:t>
+            </a:r>
+          </a:p>
+          <a:p>
+            <a:r>
+              <a:rPr lang="hu-HU" sz="1200" dirty="0"/>
+              <a:t>GO GREEN – PARK GREEN</a:t>
+            </a:r>
+            <a:endParaRPr lang="en-US" sz="1200" dirty="0"/>
+          </a:p>
+        </p:txBody>
+      </p:sp>
+    </p:spTree>
+    <p:extLst>
+      <p:ext uri="{BB962C8B-B14F-4D97-AF65-F5344CB8AC3E}">
+        <p14:creationId xmlns:p14="http://schemas.microsoft.com/office/powerpoint/2010/main" val="3471653941"/>
+      </p:ext>
+    </p:extLst>
+  </p:cSld>
+  <p:clrMapOvr>
+    <a:masterClrMapping/>
+  </p:clrMapOvr>
+</p:sld>
+</file>
+
 <file path=ppt/theme/theme1.xml><?xml version="1.0" encoding="utf-8"?>
 <a:theme xmlns:a="http://schemas.openxmlformats.org/drawingml/2006/main" name="Circuit">
   <a:themeElements>
